--- a/ServerLecture/PT/6강 멀티스레드 서버 제작.pptx
+++ b/ServerLecture/PT/6강 멀티스레드 서버 제작.pptx
@@ -110,6 +110,11 @@
       </a:defRPr>
     </a:lvl9pPr>
   </p:defaultTextStyle>
+  <p:extLst>
+    <p:ext uri="{EFAFB233-063F-42B5-8137-9DF3F51BA10A}">
+      <p15:sldGuideLst xmlns:p15="http://schemas.microsoft.com/office/powerpoint/2012/main"/>
+    </p:ext>
+  </p:extLst>
 </p:presentation>
 </file>
 
@@ -195,7 +200,7 @@
           <a:p>
             <a:fld id="{92DE4670-D2EA-419C-9389-B32AFEA1458F}" type="datetimeFigureOut">
               <a:rPr lang="ko-KR" altLang="en-US" smtClean="0"/>
-              <a:t>2023-09-07</a:t>
+              <a:t>2023-09-10</a:t>
             </a:fld>
             <a:endParaRPr lang="ko-KR" altLang="en-US"/>
           </a:p>
@@ -777,7 +782,7 @@
           <a:p>
             <a:fld id="{7A9AB57D-3C09-4330-86F3-2D874A2CB244}" type="datetimeFigureOut">
               <a:rPr lang="ko-KR" altLang="en-US" smtClean="0"/>
-              <a:t>2023-09-07</a:t>
+              <a:t>2023-09-10</a:t>
             </a:fld>
             <a:endParaRPr lang="ko-KR" altLang="en-US"/>
           </a:p>
@@ -975,7 +980,7 @@
           <a:p>
             <a:fld id="{7A9AB57D-3C09-4330-86F3-2D874A2CB244}" type="datetimeFigureOut">
               <a:rPr lang="ko-KR" altLang="en-US" smtClean="0"/>
-              <a:t>2023-09-07</a:t>
+              <a:t>2023-09-10</a:t>
             </a:fld>
             <a:endParaRPr lang="ko-KR" altLang="en-US"/>
           </a:p>
@@ -1183,7 +1188,7 @@
           <a:p>
             <a:fld id="{7A9AB57D-3C09-4330-86F3-2D874A2CB244}" type="datetimeFigureOut">
               <a:rPr lang="ko-KR" altLang="en-US" smtClean="0"/>
-              <a:t>2023-09-07</a:t>
+              <a:t>2023-09-10</a:t>
             </a:fld>
             <a:endParaRPr lang="ko-KR" altLang="en-US"/>
           </a:p>
@@ -1381,7 +1386,7 @@
           <a:p>
             <a:fld id="{7A9AB57D-3C09-4330-86F3-2D874A2CB244}" type="datetimeFigureOut">
               <a:rPr lang="ko-KR" altLang="en-US" smtClean="0"/>
-              <a:t>2023-09-07</a:t>
+              <a:t>2023-09-10</a:t>
             </a:fld>
             <a:endParaRPr lang="ko-KR" altLang="en-US"/>
           </a:p>
@@ -1656,7 +1661,7 @@
           <a:p>
             <a:fld id="{7A9AB57D-3C09-4330-86F3-2D874A2CB244}" type="datetimeFigureOut">
               <a:rPr lang="ko-KR" altLang="en-US" smtClean="0"/>
-              <a:t>2023-09-07</a:t>
+              <a:t>2023-09-10</a:t>
             </a:fld>
             <a:endParaRPr lang="ko-KR" altLang="en-US"/>
           </a:p>
@@ -1921,7 +1926,7 @@
           <a:p>
             <a:fld id="{7A9AB57D-3C09-4330-86F3-2D874A2CB244}" type="datetimeFigureOut">
               <a:rPr lang="ko-KR" altLang="en-US" smtClean="0"/>
-              <a:t>2023-09-07</a:t>
+              <a:t>2023-09-10</a:t>
             </a:fld>
             <a:endParaRPr lang="ko-KR" altLang="en-US"/>
           </a:p>
@@ -2333,7 +2338,7 @@
           <a:p>
             <a:fld id="{7A9AB57D-3C09-4330-86F3-2D874A2CB244}" type="datetimeFigureOut">
               <a:rPr lang="ko-KR" altLang="en-US" smtClean="0"/>
-              <a:t>2023-09-07</a:t>
+              <a:t>2023-09-10</a:t>
             </a:fld>
             <a:endParaRPr lang="ko-KR" altLang="en-US"/>
           </a:p>
@@ -2474,7 +2479,7 @@
           <a:p>
             <a:fld id="{7A9AB57D-3C09-4330-86F3-2D874A2CB244}" type="datetimeFigureOut">
               <a:rPr lang="ko-KR" altLang="en-US" smtClean="0"/>
-              <a:t>2023-09-07</a:t>
+              <a:t>2023-09-10</a:t>
             </a:fld>
             <a:endParaRPr lang="ko-KR" altLang="en-US"/>
           </a:p>
@@ -2587,7 +2592,7 @@
           <a:p>
             <a:fld id="{7A9AB57D-3C09-4330-86F3-2D874A2CB244}" type="datetimeFigureOut">
               <a:rPr lang="ko-KR" altLang="en-US" smtClean="0"/>
-              <a:t>2023-09-07</a:t>
+              <a:t>2023-09-10</a:t>
             </a:fld>
             <a:endParaRPr lang="ko-KR" altLang="en-US"/>
           </a:p>
@@ -2898,7 +2903,7 @@
           <a:p>
             <a:fld id="{7A9AB57D-3C09-4330-86F3-2D874A2CB244}" type="datetimeFigureOut">
               <a:rPr lang="ko-KR" altLang="en-US" smtClean="0"/>
-              <a:t>2023-09-07</a:t>
+              <a:t>2023-09-10</a:t>
             </a:fld>
             <a:endParaRPr lang="ko-KR" altLang="en-US"/>
           </a:p>
@@ -3186,7 +3191,7 @@
           <a:p>
             <a:fld id="{7A9AB57D-3C09-4330-86F3-2D874A2CB244}" type="datetimeFigureOut">
               <a:rPr lang="ko-KR" altLang="en-US" smtClean="0"/>
-              <a:t>2023-09-07</a:t>
+              <a:t>2023-09-10</a:t>
             </a:fld>
             <a:endParaRPr lang="ko-KR" altLang="en-US"/>
           </a:p>
@@ -3427,7 +3432,7 @@
           <a:p>
             <a:fld id="{7A9AB57D-3C09-4330-86F3-2D874A2CB244}" type="datetimeFigureOut">
               <a:rPr lang="ko-KR" altLang="en-US" smtClean="0"/>
-              <a:t>2023-09-07</a:t>
+              <a:t>2023-09-10</a:t>
             </a:fld>
             <a:endParaRPr lang="ko-KR" altLang="en-US"/>
           </a:p>
